--- a/Basics_of_for_loops/Basic_of_for_loops.pptx
+++ b/Basics_of_for_loops/Basic_of_for_loops.pptx
@@ -4326,7 +4326,7 @@
           <a:p>
             <a:r>
               <a:rPr lang="en-US" sz="2400" dirty="0"/>
-              <a:t>Counter Variable</a:t>
+              <a:t>Variable</a:t>
             </a:r>
           </a:p>
           <a:p>
@@ -4989,8 +4989,12 @@
           <a:lstStyle/>
           <a:p>
             <a:r>
+              <a:rPr lang="en-US" i="1" dirty="0"/>
+              <a:t>C</a:t>
+            </a:r>
+            <a:r>
               <a:rPr lang="en-US" dirty="0"/>
-              <a:t>C-style </a:t>
+              <a:t>-style </a:t>
             </a:r>
             <a:r>
               <a:rPr lang="en-US" i="1" dirty="0"/>
@@ -5150,7 +5154,7 @@
             <a:p>
               <a:r>
                 <a:rPr lang="en-US" sz="2400" dirty="0"/>
-                <a:t>Counter Variable</a:t>
+                <a:t>Variable</a:t>
               </a:r>
             </a:p>
           </p:txBody>
